--- a/Final Presentation.pptx
+++ b/Final Presentation.pptx
@@ -257,7 +257,7 @@
           <a:p>
             <a:fld id="{1700526D-513F-1448-89DC-CF1FD3F1783B}" type="datetimeFigureOut">
               <a:rPr lang="en-US" smtClean="0"/>
-              <a:t>11/16/2021</a:t>
+              <a:t>8/31/2022</a:t>
             </a:fld>
             <a:endParaRPr lang="en-US"/>
           </a:p>
@@ -5173,7 +5173,7 @@
           <a:p>
             <a:fld id="{16A38D94-F38C-4BD4-8BA1-E13384BA875C}" type="datetime1">
               <a:rPr lang="en-US" smtClean="0"/>
-              <a:t>11/16/2021</a:t>
+              <a:t>8/31/2022</a:t>
             </a:fld>
             <a:endParaRPr lang="en-US"/>
           </a:p>
@@ -5344,7 +5344,7 @@
           <a:p>
             <a:fld id="{95DEB261-75B1-4DE9-9BF1-DE54BF82067E}" type="datetime1">
               <a:rPr lang="en-US" smtClean="0"/>
-              <a:t>11/16/2021</a:t>
+              <a:t>8/31/2022</a:t>
             </a:fld>
             <a:endParaRPr lang="en-US"/>
           </a:p>
@@ -5525,7 +5525,7 @@
           <a:p>
             <a:fld id="{43F39DA7-60DA-4AE3-80AF-B01EAC8981D2}" type="datetime1">
               <a:rPr lang="en-US" smtClean="0"/>
-              <a:t>11/16/2021</a:t>
+              <a:t>8/31/2022</a:t>
             </a:fld>
             <a:endParaRPr lang="en-US"/>
           </a:p>
@@ -5696,7 +5696,7 @@
           <a:p>
             <a:fld id="{6ABB2450-B3D2-4B38-9E53-744C5A49E04B}" type="datetime1">
               <a:rPr lang="en-US" smtClean="0"/>
-              <a:t>11/16/2021</a:t>
+              <a:t>8/31/2022</a:t>
             </a:fld>
             <a:endParaRPr lang="en-US"/>
           </a:p>
@@ -5948,7 +5948,7 @@
           <a:p>
             <a:fld id="{94806F74-CF7E-4372-B5DB-29A013F09BFC}" type="datetime1">
               <a:rPr lang="en-US" smtClean="0"/>
-              <a:t>11/16/2021</a:t>
+              <a:t>8/31/2022</a:t>
             </a:fld>
             <a:endParaRPr lang="en-US"/>
           </a:p>
@@ -6236,7 +6236,7 @@
           <a:p>
             <a:fld id="{0B51D11A-2601-4122-95FA-9AD29C1FCD5E}" type="datetime1">
               <a:rPr lang="en-US" smtClean="0"/>
-              <a:t>11/16/2021</a:t>
+              <a:t>8/31/2022</a:t>
             </a:fld>
             <a:endParaRPr lang="en-US"/>
           </a:p>
@@ -6658,7 +6658,7 @@
           <a:p>
             <a:fld id="{6D11BAF7-637A-47BC-B557-A0EAC1C850FD}" type="datetime1">
               <a:rPr lang="en-US" smtClean="0"/>
-              <a:t>11/16/2021</a:t>
+              <a:t>8/31/2022</a:t>
             </a:fld>
             <a:endParaRPr lang="en-US"/>
           </a:p>
@@ -6778,7 +6778,7 @@
           <a:p>
             <a:fld id="{F069B2C1-A801-4313-BFB3-36F7DDF76F70}" type="datetime1">
               <a:rPr lang="en-US" smtClean="0"/>
-              <a:t>11/16/2021</a:t>
+              <a:t>8/31/2022</a:t>
             </a:fld>
             <a:endParaRPr lang="en-US"/>
           </a:p>
@@ -6876,7 +6876,7 @@
           <a:p>
             <a:fld id="{276DF55A-5477-4505-A81D-4BB9AF1EFEAC}" type="datetime1">
               <a:rPr lang="en-US" smtClean="0"/>
-              <a:t>11/16/2021</a:t>
+              <a:t>8/31/2022</a:t>
             </a:fld>
             <a:endParaRPr lang="en-US"/>
           </a:p>
@@ -7154,7 +7154,7 @@
           <a:p>
             <a:fld id="{337F9572-BDB7-4B18-81AF-65598825F76A}" type="datetime1">
               <a:rPr lang="en-US" smtClean="0"/>
-              <a:t>11/16/2021</a:t>
+              <a:t>8/31/2022</a:t>
             </a:fld>
             <a:endParaRPr lang="en-US"/>
           </a:p>
@@ -7412,7 +7412,7 @@
           <a:p>
             <a:fld id="{44488EF6-DF91-43C3-954C-3B34416A5069}" type="datetime1">
               <a:rPr lang="en-US" smtClean="0"/>
-              <a:t>11/16/2021</a:t>
+              <a:t>8/31/2022</a:t>
             </a:fld>
             <a:endParaRPr lang="en-US"/>
           </a:p>
@@ -7669,7 +7669,7 @@
           <a:p>
             <a:fld id="{089703E4-A6E0-490D-951A-37657B725E5A}" type="datetime1">
               <a:rPr lang="en-US" smtClean="0"/>
-              <a:t>11/16/2021</a:t>
+              <a:t>8/31/2022</a:t>
             </a:fld>
             <a:endParaRPr lang="en-US"/>
           </a:p>
@@ -13853,6 +13853,21 @@
 </file>
 
 <file path=customXml/item1.xml><?xml version="1.0" encoding="utf-8"?>
+<?mso-contentType ?>
+<FormTemplates xmlns="http://schemas.microsoft.com/sharepoint/v3/contenttype/forms">
+  <Display>DocumentLibraryForm</Display>
+  <Edit>DocumentLibraryForm</Edit>
+  <New>DocumentLibraryForm</New>
+</FormTemplates>
+</file>
+
+<file path=customXml/item2.xml><?xml version="1.0" encoding="utf-8"?>
+<p:properties xmlns:p="http://schemas.microsoft.com/office/2006/metadata/properties" xmlns:xsi="http://www.w3.org/2001/XMLSchema-instance" xmlns:pc="http://schemas.microsoft.com/office/infopath/2007/PartnerControls">
+  <documentManagement/>
+</p:properties>
+</file>
+
+<file path=customXml/item3.xml><?xml version="1.0" encoding="utf-8"?>
 <ct:contentTypeSchema xmlns:ct="http://schemas.microsoft.com/office/2006/metadata/contentType" xmlns:ma="http://schemas.microsoft.com/office/2006/metadata/properties/metaAttributes" ct:_="" ma:_="" ma:contentTypeName="Document" ma:contentTypeID="0x010100F9B460C671541141BBD272C6DD7DB0FF" ma:contentTypeVersion="7" ma:contentTypeDescription="Create a new document." ma:contentTypeScope="" ma:versionID="a1be906df025a1734dce68d4761d76b2">
   <xsd:schema xmlns:xsd="http://www.w3.org/2001/XMLSchema" xmlns:xs="http://www.w3.org/2001/XMLSchema" xmlns:p="http://schemas.microsoft.com/office/2006/metadata/properties" xmlns:ns3="ffc6b532-b642-457c-bee3-73f87b5c7c9e" xmlns:ns4="c84be656-cb21-457e-917c-59ba2ef00c7a" targetNamespace="http://schemas.microsoft.com/office/2006/metadata/properties" ma:root="true" ma:fieldsID="8300e8f03fe516c92a89a5f4b2ad3c32" ns3:_="" ns4:_="">
     <xsd:import namespace="ffc6b532-b642-457c-bee3-73f87b5c7c9e"/>
@@ -14037,36 +14052,10 @@
 </ct:contentTypeSchema>
 </file>
 
-<file path=customXml/item2.xml><?xml version="1.0" encoding="utf-8"?>
-<p:properties xmlns:p="http://schemas.microsoft.com/office/2006/metadata/properties" xmlns:xsi="http://www.w3.org/2001/XMLSchema-instance" xmlns:pc="http://schemas.microsoft.com/office/infopath/2007/PartnerControls">
-  <documentManagement/>
-</p:properties>
-</file>
-
-<file path=customXml/item3.xml><?xml version="1.0" encoding="utf-8"?>
-<?mso-contentType ?>
-<FormTemplates xmlns="http://schemas.microsoft.com/sharepoint/v3/contenttype/forms">
-  <Display>DocumentLibraryForm</Display>
-  <Edit>DocumentLibraryForm</Edit>
-  <New>DocumentLibraryForm</New>
-</FormTemplates>
-</file>
-
 <file path=customXml/itemProps1.xml><?xml version="1.0" encoding="utf-8"?>
-<ds:datastoreItem xmlns:ds="http://schemas.openxmlformats.org/officeDocument/2006/customXml" ds:itemID="{E11FF791-6DAC-4C3A-93C9-3122E104D78A}">
+<ds:datastoreItem xmlns:ds="http://schemas.openxmlformats.org/officeDocument/2006/customXml" ds:itemID="{8A42B545-A27A-4ADD-93BD-7C138AEF69DE}">
   <ds:schemaRefs>
-    <ds:schemaRef ds:uri="c84be656-cb21-457e-917c-59ba2ef00c7a"/>
-    <ds:schemaRef ds:uri="ffc6b532-b642-457c-bee3-73f87b5c7c9e"/>
-    <ds:schemaRef ds:uri="http://purl.org/dc/elements/1.1/"/>
-    <ds:schemaRef ds:uri="http://purl.org/dc/terms/"/>
-    <ds:schemaRef ds:uri="http://schemas.microsoft.com/internal/obd"/>
-    <ds:schemaRef ds:uri="http://schemas.microsoft.com/office/2006/documentManagement/types"/>
-    <ds:schemaRef ds:uri="http://schemas.microsoft.com/office/2006/metadata/contentType"/>
-    <ds:schemaRef ds:uri="http://schemas.microsoft.com/office/2006/metadata/properties"/>
-    <ds:schemaRef ds:uri="http://schemas.microsoft.com/office/2006/metadata/properties/metaAttributes"/>
-    <ds:schemaRef ds:uri="http://schemas.microsoft.com/office/infopath/2007/PartnerControls"/>
-    <ds:schemaRef ds:uri="http://schemas.openxmlformats.org/package/2006/metadata/core-properties"/>
-    <ds:schemaRef ds:uri="http://www.w3.org/2001/XMLSchema"/>
+    <ds:schemaRef ds:uri="http://schemas.microsoft.com/sharepoint/v3/contenttype/forms"/>
   </ds:schemaRefs>
 </ds:datastoreItem>
 </file>
@@ -14089,9 +14078,20 @@
 </file>
 
 <file path=customXml/itemProps3.xml><?xml version="1.0" encoding="utf-8"?>
-<ds:datastoreItem xmlns:ds="http://schemas.openxmlformats.org/officeDocument/2006/customXml" ds:itemID="{8A42B545-A27A-4ADD-93BD-7C138AEF69DE}">
+<ds:datastoreItem xmlns:ds="http://schemas.openxmlformats.org/officeDocument/2006/customXml" ds:itemID="{E11FF791-6DAC-4C3A-93C9-3122E104D78A}">
   <ds:schemaRefs>
-    <ds:schemaRef ds:uri="http://schemas.microsoft.com/sharepoint/v3/contenttype/forms"/>
+    <ds:schemaRef ds:uri="c84be656-cb21-457e-917c-59ba2ef00c7a"/>
+    <ds:schemaRef ds:uri="ffc6b532-b642-457c-bee3-73f87b5c7c9e"/>
+    <ds:schemaRef ds:uri="http://purl.org/dc/elements/1.1/"/>
+    <ds:schemaRef ds:uri="http://purl.org/dc/terms/"/>
+    <ds:schemaRef ds:uri="http://schemas.microsoft.com/internal/obd"/>
+    <ds:schemaRef ds:uri="http://schemas.microsoft.com/office/2006/documentManagement/types"/>
+    <ds:schemaRef ds:uri="http://schemas.microsoft.com/office/2006/metadata/contentType"/>
+    <ds:schemaRef ds:uri="http://schemas.microsoft.com/office/2006/metadata/properties"/>
+    <ds:schemaRef ds:uri="http://schemas.microsoft.com/office/2006/metadata/properties/metaAttributes"/>
+    <ds:schemaRef ds:uri="http://schemas.microsoft.com/office/infopath/2007/PartnerControls"/>
+    <ds:schemaRef ds:uri="http://schemas.openxmlformats.org/package/2006/metadata/core-properties"/>
+    <ds:schemaRef ds:uri="http://www.w3.org/2001/XMLSchema"/>
   </ds:schemaRefs>
 </ds:datastoreItem>
 </file>